--- a/Slides/Module 1 - Flask Application Design.pptx
+++ b/Slides/Module 1 - Flask Application Design.pptx
@@ -231,7 +231,7 @@
           <a:p>
             <a:fld id="{312E7B4A-039C-48A2-9B2C-AF16AA3873D8}" type="datetimeFigureOut">
               <a:rPr lang="en-US" smtClean="0"/>
-              <a:t>2/20/2015</a:t>
+              <a:t>2/25/2015</a:t>
             </a:fld>
             <a:endParaRPr lang="en-US"/>
           </a:p>
@@ -396,7 +396,7 @@
           <a:p>
             <a:fld id="{DA005A0C-54D9-45AA-87D4-C551D08DFCE1}" type="datetimeFigureOut">
               <a:rPr lang="en-US" smtClean="0"/>
-              <a:t>2/20/2015</a:t>
+              <a:t>2/25/2015</a:t>
             </a:fld>
             <a:endParaRPr lang="en-US"/>
           </a:p>
@@ -754,6 +754,584 @@
 </p:notes>
 </file>
 
+<file path=ppt/notesSlides/notesSlide10.xml><?xml version="1.0" encoding="utf-8"?>
+<p:notes xmlns:a="http://schemas.openxmlformats.org/drawingml/2006/main" xmlns:r="http://schemas.openxmlformats.org/officeDocument/2006/relationships" xmlns:p="http://schemas.openxmlformats.org/presentationml/2006/main">
+  <p:cSld>
+    <p:spTree>
+      <p:nvGrpSpPr>
+        <p:cNvPr id="1" name=""/>
+        <p:cNvGrpSpPr/>
+        <p:nvPr/>
+      </p:nvGrpSpPr>
+      <p:grpSpPr>
+        <a:xfrm>
+          <a:off x="0" y="0"/>
+          <a:ext cx="0" cy="0"/>
+          <a:chOff x="0" y="0"/>
+          <a:chExt cx="0" cy="0"/>
+        </a:xfrm>
+      </p:grpSpPr>
+      <p:sp>
+        <p:nvSpPr>
+          <p:cNvPr id="2" name="Slide Image Placeholder 1"/>
+          <p:cNvSpPr>
+            <a:spLocks noGrp="1" noRot="1" noChangeAspect="1"/>
+          </p:cNvSpPr>
+          <p:nvPr>
+            <p:ph type="sldImg"/>
+          </p:nvPr>
+        </p:nvSpPr>
+        <p:spPr/>
+      </p:sp>
+      <p:sp>
+        <p:nvSpPr>
+          <p:cNvPr id="3" name="Notes Placeholder 2"/>
+          <p:cNvSpPr>
+            <a:spLocks noGrp="1"/>
+          </p:cNvSpPr>
+          <p:nvPr>
+            <p:ph type="body" idx="1"/>
+          </p:nvPr>
+        </p:nvSpPr>
+        <p:spPr/>
+        <p:txBody>
+          <a:bodyPr/>
+          <a:lstStyle/>
+          <a:p>
+            <a:r>
+              <a:rPr lang="en-US" dirty="0" smtClean="0"/>
+              <a:t>Migrate the code into a package.</a:t>
+            </a:r>
+          </a:p>
+          <a:p>
+            <a:endParaRPr lang="en-US" dirty="0" smtClean="0"/>
+          </a:p>
+          <a:p>
+            <a:r>
+              <a:rPr lang="en-US" dirty="0" smtClean="0"/>
+              <a:t>Basic steps:</a:t>
+            </a:r>
+          </a:p>
+          <a:p>
+            <a:endParaRPr lang="en-US" dirty="0" smtClean="0"/>
+          </a:p>
+          <a:p>
+            <a:pPr marL="0" indent="0">
+              <a:buNone/>
+            </a:pPr>
+            <a:r>
+              <a:rPr lang="en-US" b="1" dirty="0" smtClean="0"/>
+              <a:t>1. </a:t>
+            </a:r>
+            <a:r>
+              <a:rPr lang="en-US" dirty="0" smtClean="0"/>
+              <a:t>Add </a:t>
+            </a:r>
+            <a:r>
+              <a:rPr lang="en-US" dirty="0" smtClean="0"/>
+              <a:t>package to project. Name it </a:t>
+            </a:r>
+            <a:r>
+              <a:rPr lang="en-US" dirty="0" err="1" smtClean="0"/>
+              <a:t>TriviaMVAApp</a:t>
+            </a:r>
+            <a:r>
+              <a:rPr lang="en-US" dirty="0" smtClean="0"/>
+              <a:t>.</a:t>
+            </a:r>
+            <a:r>
+              <a:rPr lang="en-US" baseline="0" dirty="0" smtClean="0"/>
+              <a:t> Move routes.py and templates folder into app.</a:t>
+            </a:r>
+          </a:p>
+          <a:p>
+            <a:pPr marL="0" indent="0">
+              <a:buNone/>
+            </a:pPr>
+            <a:r>
+              <a:rPr lang="en-US" b="1" baseline="0" dirty="0" smtClean="0"/>
+              <a:t>2. </a:t>
+            </a:r>
+            <a:r>
+              <a:rPr lang="en-US" baseline="0" dirty="0" smtClean="0"/>
+              <a:t>Add </a:t>
+            </a:r>
+            <a:r>
+              <a:rPr lang="en-US" baseline="0" dirty="0" smtClean="0"/>
+              <a:t>the following code to __init__.py. Highlight the fact this is essentially what we had in the top of app.py.</a:t>
+            </a:r>
+          </a:p>
+          <a:p>
+            <a:r>
+              <a:rPr lang="en-US" sz="1200" kern="1200" dirty="0" smtClean="0">
+                <a:solidFill>
+                  <a:schemeClr val="tx1"/>
+                </a:solidFill>
+                <a:latin typeface="+mn-lt"/>
+                <a:ea typeface="+mn-ea"/>
+                <a:cs typeface="+mn-cs"/>
+              </a:rPr>
+              <a:t># Get flask</a:t>
+            </a:r>
+          </a:p>
+          <a:p>
+            <a:r>
+              <a:rPr lang="en-US" sz="1200" kern="1200" dirty="0" smtClean="0">
+                <a:solidFill>
+                  <a:schemeClr val="tx1"/>
+                </a:solidFill>
+                <a:latin typeface="+mn-lt"/>
+                <a:ea typeface="+mn-ea"/>
+                <a:cs typeface="+mn-cs"/>
+              </a:rPr>
+              <a:t>from flask import Flask;</a:t>
+            </a:r>
+          </a:p>
+          <a:p>
+            <a:endParaRPr lang="en-US" sz="1200" kern="1200" dirty="0" smtClean="0">
+              <a:solidFill>
+                <a:schemeClr val="tx1"/>
+              </a:solidFill>
+              <a:latin typeface="+mn-lt"/>
+              <a:ea typeface="+mn-ea"/>
+              <a:cs typeface="+mn-cs"/>
+            </a:endParaRPr>
+          </a:p>
+          <a:p>
+            <a:r>
+              <a:rPr lang="en-US" sz="1200" kern="1200" dirty="0" smtClean="0">
+                <a:solidFill>
+                  <a:schemeClr val="tx1"/>
+                </a:solidFill>
+                <a:latin typeface="+mn-lt"/>
+                <a:ea typeface="+mn-ea"/>
+                <a:cs typeface="+mn-cs"/>
+              </a:rPr>
+              <a:t># Create the app</a:t>
+            </a:r>
+          </a:p>
+          <a:p>
+            <a:r>
+              <a:rPr lang="en-US" sz="1200" kern="1200" dirty="0" smtClean="0">
+                <a:solidFill>
+                  <a:schemeClr val="tx1"/>
+                </a:solidFill>
+                <a:latin typeface="+mn-lt"/>
+                <a:ea typeface="+mn-ea"/>
+                <a:cs typeface="+mn-cs"/>
+              </a:rPr>
+              <a:t>app = Flask(__name__);</a:t>
+            </a:r>
+          </a:p>
+          <a:p>
+            <a:endParaRPr lang="en-US" sz="1200" kern="1200" dirty="0" smtClean="0">
+              <a:solidFill>
+                <a:schemeClr val="tx1"/>
+              </a:solidFill>
+              <a:latin typeface="+mn-lt"/>
+              <a:ea typeface="+mn-ea"/>
+              <a:cs typeface="+mn-cs"/>
+            </a:endParaRPr>
+          </a:p>
+          <a:p>
+            <a:r>
+              <a:rPr lang="en-US" sz="1200" kern="1200" dirty="0" smtClean="0">
+                <a:solidFill>
+                  <a:schemeClr val="tx1"/>
+                </a:solidFill>
+                <a:latin typeface="+mn-lt"/>
+                <a:ea typeface="+mn-ea"/>
+                <a:cs typeface="+mn-cs"/>
+              </a:rPr>
+              <a:t># Load the controller</a:t>
+            </a:r>
+          </a:p>
+          <a:p>
+            <a:r>
+              <a:rPr lang="en-US" sz="1200" kern="1200" dirty="0" smtClean="0">
+                <a:solidFill>
+                  <a:schemeClr val="tx1"/>
+                </a:solidFill>
+                <a:latin typeface="+mn-lt"/>
+                <a:ea typeface="+mn-ea"/>
+                <a:cs typeface="+mn-cs"/>
+              </a:rPr>
+              <a:t>import </a:t>
+            </a:r>
+            <a:r>
+              <a:rPr lang="en-US" sz="1200" kern="1200" dirty="0" err="1" smtClean="0">
+                <a:solidFill>
+                  <a:schemeClr val="tx1"/>
+                </a:solidFill>
+                <a:latin typeface="+mn-lt"/>
+                <a:ea typeface="+mn-ea"/>
+                <a:cs typeface="+mn-cs"/>
+              </a:rPr>
+              <a:t>TriviaMVAApp.views</a:t>
+            </a:r>
+            <a:r>
+              <a:rPr lang="en-US" sz="1200" kern="1200" dirty="0" smtClean="0">
+                <a:solidFill>
+                  <a:schemeClr val="tx1"/>
+                </a:solidFill>
+                <a:latin typeface="+mn-lt"/>
+                <a:ea typeface="+mn-ea"/>
+                <a:cs typeface="+mn-cs"/>
+              </a:rPr>
+              <a:t>;</a:t>
+            </a:r>
+          </a:p>
+          <a:p>
+            <a:endParaRPr lang="en-US" sz="1200" kern="1200" dirty="0" smtClean="0">
+              <a:solidFill>
+                <a:schemeClr val="tx1"/>
+              </a:solidFill>
+              <a:latin typeface="+mn-lt"/>
+              <a:ea typeface="+mn-ea"/>
+              <a:cs typeface="+mn-cs"/>
+            </a:endParaRPr>
+          </a:p>
+          <a:p>
+            <a:pPr marL="0" indent="0">
+              <a:buFont typeface="+mj-lt"/>
+              <a:buNone/>
+            </a:pPr>
+            <a:r>
+              <a:rPr lang="en-US" sz="1200" b="1" kern="1200" dirty="0" smtClean="0">
+                <a:solidFill>
+                  <a:schemeClr val="tx1"/>
+                </a:solidFill>
+                <a:latin typeface="+mn-lt"/>
+                <a:ea typeface="+mn-ea"/>
+                <a:cs typeface="+mn-cs"/>
+              </a:rPr>
+              <a:t>3.</a:t>
+            </a:r>
+            <a:r>
+              <a:rPr lang="en-US" sz="1200" kern="1200" dirty="0" smtClean="0">
+                <a:solidFill>
+                  <a:schemeClr val="tx1"/>
+                </a:solidFill>
+                <a:latin typeface="+mn-lt"/>
+                <a:ea typeface="+mn-ea"/>
+                <a:cs typeface="+mn-cs"/>
+              </a:rPr>
+              <a:t> </a:t>
+            </a:r>
+            <a:r>
+              <a:rPr lang="en-US" sz="1200" kern="1200" dirty="0" smtClean="0">
+                <a:solidFill>
+                  <a:schemeClr val="tx1"/>
+                </a:solidFill>
+                <a:latin typeface="+mn-lt"/>
+                <a:ea typeface="+mn-ea"/>
+                <a:cs typeface="+mn-cs"/>
+              </a:rPr>
+              <a:t>Rename routes.py</a:t>
+            </a:r>
+            <a:r>
+              <a:rPr lang="en-US" sz="1200" kern="1200" baseline="0" dirty="0" smtClean="0">
+                <a:solidFill>
+                  <a:schemeClr val="tx1"/>
+                </a:solidFill>
+                <a:latin typeface="+mn-lt"/>
+                <a:ea typeface="+mn-ea"/>
+                <a:cs typeface="+mn-cs"/>
+              </a:rPr>
+              <a:t> to views.py as that's convention</a:t>
+            </a:r>
+            <a:r>
+              <a:rPr lang="en-US" sz="1200" kern="1200" dirty="0" smtClean="0">
+                <a:solidFill>
+                  <a:schemeClr val="tx1"/>
+                </a:solidFill>
+                <a:latin typeface="+mn-lt"/>
+                <a:ea typeface="+mn-ea"/>
+                <a:cs typeface="+mn-cs"/>
+              </a:rPr>
+              <a:t>. Update the second line of code</a:t>
+            </a:r>
+          </a:p>
+          <a:p>
+            <a:pPr marL="0" indent="0">
+              <a:buFont typeface="+mj-lt"/>
+              <a:buNone/>
+            </a:pPr>
+            <a:r>
+              <a:rPr lang="en-US" sz="1200" b="1" kern="1200" dirty="0" smtClean="0">
+                <a:solidFill>
+                  <a:schemeClr val="tx1"/>
+                </a:solidFill>
+                <a:latin typeface="+mn-lt"/>
+                <a:ea typeface="+mn-ea"/>
+                <a:cs typeface="+mn-cs"/>
+              </a:rPr>
+              <a:t>Before:</a:t>
+            </a:r>
+            <a:r>
+              <a:rPr lang="en-US" sz="1200" kern="1200" dirty="0" smtClean="0">
+                <a:solidFill>
+                  <a:schemeClr val="tx1"/>
+                </a:solidFill>
+                <a:latin typeface="+mn-lt"/>
+                <a:ea typeface="+mn-ea"/>
+                <a:cs typeface="+mn-cs"/>
+              </a:rPr>
+              <a:t> from app import app</a:t>
+            </a:r>
+          </a:p>
+          <a:p>
+            <a:pPr marL="0" indent="0">
+              <a:buFont typeface="+mj-lt"/>
+              <a:buNone/>
+            </a:pPr>
+            <a:r>
+              <a:rPr lang="en-US" sz="1200" b="1" kern="1200" dirty="0" smtClean="0">
+                <a:solidFill>
+                  <a:schemeClr val="tx1"/>
+                </a:solidFill>
+                <a:latin typeface="+mn-lt"/>
+                <a:ea typeface="+mn-ea"/>
+                <a:cs typeface="+mn-cs"/>
+              </a:rPr>
+              <a:t>Update</a:t>
+            </a:r>
+            <a:r>
+              <a:rPr lang="en-US" sz="1200" b="1" kern="1200" baseline="0" dirty="0" smtClean="0">
+                <a:solidFill>
+                  <a:schemeClr val="tx1"/>
+                </a:solidFill>
+                <a:latin typeface="+mn-lt"/>
+                <a:ea typeface="+mn-ea"/>
+                <a:cs typeface="+mn-cs"/>
+              </a:rPr>
+              <a:t> to:</a:t>
+            </a:r>
+            <a:r>
+              <a:rPr lang="en-US" sz="1200" kern="1200" baseline="0" dirty="0" smtClean="0">
+                <a:solidFill>
+                  <a:schemeClr val="tx1"/>
+                </a:solidFill>
+                <a:latin typeface="+mn-lt"/>
+                <a:ea typeface="+mn-ea"/>
+                <a:cs typeface="+mn-cs"/>
+              </a:rPr>
+              <a:t> from </a:t>
+            </a:r>
+            <a:r>
+              <a:rPr lang="en-US" sz="1200" kern="1200" baseline="0" dirty="0" err="1" smtClean="0">
+                <a:solidFill>
+                  <a:schemeClr val="tx1"/>
+                </a:solidFill>
+                <a:latin typeface="+mn-lt"/>
+                <a:ea typeface="+mn-ea"/>
+                <a:cs typeface="+mn-cs"/>
+              </a:rPr>
+              <a:t>TriviaMVAApp</a:t>
+            </a:r>
+            <a:r>
+              <a:rPr lang="en-US" sz="1200" kern="1200" baseline="0" dirty="0" smtClean="0">
+                <a:solidFill>
+                  <a:schemeClr val="tx1"/>
+                </a:solidFill>
+                <a:latin typeface="+mn-lt"/>
+                <a:ea typeface="+mn-ea"/>
+                <a:cs typeface="+mn-cs"/>
+              </a:rPr>
+              <a:t> import app</a:t>
+            </a:r>
+            <a:endParaRPr lang="en-US" sz="1200" kern="1200" dirty="0" smtClean="0">
+              <a:solidFill>
+                <a:schemeClr val="tx1"/>
+              </a:solidFill>
+              <a:latin typeface="+mn-lt"/>
+              <a:ea typeface="+mn-ea"/>
+              <a:cs typeface="+mn-cs"/>
+            </a:endParaRPr>
+          </a:p>
+          <a:p>
+            <a:pPr marL="0" indent="0">
+              <a:buFont typeface="+mj-lt"/>
+              <a:buNone/>
+            </a:pPr>
+            <a:endParaRPr lang="en-US" sz="1200" kern="1200" dirty="0" smtClean="0">
+              <a:solidFill>
+                <a:schemeClr val="tx1"/>
+              </a:solidFill>
+              <a:latin typeface="+mn-lt"/>
+              <a:ea typeface="+mn-ea"/>
+              <a:cs typeface="+mn-cs"/>
+            </a:endParaRPr>
+          </a:p>
+          <a:p>
+            <a:pPr marL="0" indent="0">
+              <a:buFont typeface="+mj-lt"/>
+              <a:buNone/>
+            </a:pPr>
+            <a:r>
+              <a:rPr lang="en-US" sz="1200" kern="1200" dirty="0" smtClean="0">
+                <a:solidFill>
+                  <a:schemeClr val="tx1"/>
+                </a:solidFill>
+                <a:latin typeface="+mn-lt"/>
+                <a:ea typeface="+mn-ea"/>
+                <a:cs typeface="+mn-cs"/>
+              </a:rPr>
+              <a:t>4.</a:t>
+            </a:r>
+            <a:r>
+              <a:rPr lang="en-US" sz="1200" kern="1200" baseline="0" dirty="0" smtClean="0">
+                <a:solidFill>
+                  <a:schemeClr val="tx1"/>
+                </a:solidFill>
+                <a:latin typeface="+mn-lt"/>
+                <a:ea typeface="+mn-ea"/>
+                <a:cs typeface="+mn-cs"/>
+              </a:rPr>
+              <a:t> Open app.py. Update the top part (everything before #Launching our server)</a:t>
+            </a:r>
+          </a:p>
+          <a:p>
+            <a:r>
+              <a:rPr lang="en-US" sz="1200" kern="1200" dirty="0" smtClean="0">
+                <a:solidFill>
+                  <a:schemeClr val="tx1"/>
+                </a:solidFill>
+                <a:latin typeface="+mn-lt"/>
+                <a:ea typeface="+mn-ea"/>
+                <a:cs typeface="+mn-cs"/>
+              </a:rPr>
+              <a:t>#Load up the app</a:t>
+            </a:r>
+          </a:p>
+          <a:p>
+            <a:r>
+              <a:rPr lang="en-US" sz="1200" kern="1200" dirty="0" smtClean="0">
+                <a:solidFill>
+                  <a:schemeClr val="tx1"/>
+                </a:solidFill>
+                <a:latin typeface="+mn-lt"/>
+                <a:ea typeface="+mn-ea"/>
+                <a:cs typeface="+mn-cs"/>
+              </a:rPr>
+              <a:t>from </a:t>
+            </a:r>
+            <a:r>
+              <a:rPr lang="en-US" sz="1200" kern="1200" dirty="0" err="1" smtClean="0">
+                <a:solidFill>
+                  <a:schemeClr val="tx1"/>
+                </a:solidFill>
+                <a:latin typeface="+mn-lt"/>
+                <a:ea typeface="+mn-ea"/>
+                <a:cs typeface="+mn-cs"/>
+              </a:rPr>
+              <a:t>TriviaMVAApp</a:t>
+            </a:r>
+            <a:r>
+              <a:rPr lang="en-US" sz="1200" kern="1200" dirty="0" smtClean="0">
+                <a:solidFill>
+                  <a:schemeClr val="tx1"/>
+                </a:solidFill>
+                <a:latin typeface="+mn-lt"/>
+                <a:ea typeface="+mn-ea"/>
+                <a:cs typeface="+mn-cs"/>
+              </a:rPr>
+              <a:t> import app;</a:t>
+            </a:r>
+          </a:p>
+          <a:p>
+            <a:endParaRPr lang="en-US" sz="1200" kern="1200" dirty="0" smtClean="0">
+              <a:solidFill>
+                <a:schemeClr val="tx1"/>
+              </a:solidFill>
+              <a:latin typeface="+mn-lt"/>
+              <a:ea typeface="+mn-ea"/>
+              <a:cs typeface="+mn-cs"/>
+            </a:endParaRPr>
+          </a:p>
+          <a:p>
+            <a:r>
+              <a:rPr lang="en-US" sz="1200" kern="1200" dirty="0" smtClean="0">
+                <a:solidFill>
+                  <a:schemeClr val="tx1"/>
+                </a:solidFill>
+                <a:latin typeface="+mn-lt"/>
+                <a:ea typeface="+mn-ea"/>
+                <a:cs typeface="+mn-cs"/>
+              </a:rPr>
+              <a:t>5. Rename that to runserver.py (convention)</a:t>
+            </a:r>
+          </a:p>
+          <a:p>
+            <a:r>
+              <a:rPr lang="en-US" sz="1200" kern="1200" dirty="0" smtClean="0">
+                <a:solidFill>
+                  <a:schemeClr val="tx1"/>
+                </a:solidFill>
+                <a:latin typeface="+mn-lt"/>
+                <a:ea typeface="+mn-ea"/>
+                <a:cs typeface="+mn-cs"/>
+              </a:rPr>
+              <a:t>6.</a:t>
+            </a:r>
+            <a:r>
+              <a:rPr lang="en-US" sz="1200" kern="1200" baseline="0" dirty="0" smtClean="0">
+                <a:solidFill>
+                  <a:schemeClr val="tx1"/>
+                </a:solidFill>
+                <a:latin typeface="+mn-lt"/>
+                <a:ea typeface="+mn-ea"/>
+                <a:cs typeface="+mn-cs"/>
+              </a:rPr>
+              <a:t> Show the app still works</a:t>
+            </a:r>
+            <a:endParaRPr lang="en-US" sz="1200" kern="1200" dirty="0" smtClean="0">
+              <a:solidFill>
+                <a:schemeClr val="tx1"/>
+              </a:solidFill>
+              <a:latin typeface="+mn-lt"/>
+              <a:ea typeface="+mn-ea"/>
+              <a:cs typeface="+mn-cs"/>
+            </a:endParaRPr>
+          </a:p>
+        </p:txBody>
+      </p:sp>
+      <p:sp>
+        <p:nvSpPr>
+          <p:cNvPr id="4" name="Slide Number Placeholder 3"/>
+          <p:cNvSpPr>
+            <a:spLocks noGrp="1"/>
+          </p:cNvSpPr>
+          <p:nvPr>
+            <p:ph type="sldNum" sz="quarter" idx="10"/>
+          </p:nvPr>
+        </p:nvSpPr>
+        <p:spPr/>
+        <p:txBody>
+          <a:bodyPr/>
+          <a:lstStyle/>
+          <a:p>
+            <a:fld id="{4CFD207A-07DF-40AD-A916-9872E089CE7A}" type="slidenum">
+              <a:rPr lang="en-US" smtClean="0"/>
+              <a:t>28</a:t>
+            </a:fld>
+            <a:endParaRPr lang="en-US"/>
+          </a:p>
+        </p:txBody>
+      </p:sp>
+    </p:spTree>
+    <p:extLst>
+      <p:ext uri="{BB962C8B-B14F-4D97-AF65-F5344CB8AC3E}">
+        <p14:creationId xmlns:p14="http://schemas.microsoft.com/office/powerpoint/2010/main" val="1150473735"/>
+      </p:ext>
+    </p:extLst>
+  </p:cSld>
+  <p:clrMapOvr>
+    <a:masterClrMapping/>
+  </p:clrMapOvr>
+</p:notes>
+</file>
+
 <file path=ppt/notesSlides/notesSlide2.xml><?xml version="1.0" encoding="utf-8"?>
 <p:notes xmlns:a="http://schemas.openxmlformats.org/drawingml/2006/main" xmlns:r="http://schemas.openxmlformats.org/officeDocument/2006/relationships" xmlns:p="http://schemas.openxmlformats.org/presentationml/2006/main">
   <p:cSld>
@@ -1518,6 +2096,98 @@
     <p:extLst>
       <p:ext uri="{BB962C8B-B14F-4D97-AF65-F5344CB8AC3E}">
         <p14:creationId xmlns:p14="http://schemas.microsoft.com/office/powerpoint/2010/main" val="649585829"/>
+      </p:ext>
+    </p:extLst>
+  </p:cSld>
+  <p:clrMapOvr>
+    <a:masterClrMapping/>
+  </p:clrMapOvr>
+</p:notes>
+</file>
+
+<file path=ppt/notesSlides/notesSlide9.xml><?xml version="1.0" encoding="utf-8"?>
+<p:notes xmlns:a="http://schemas.openxmlformats.org/drawingml/2006/main" xmlns:r="http://schemas.openxmlformats.org/officeDocument/2006/relationships" xmlns:p="http://schemas.openxmlformats.org/presentationml/2006/main">
+  <p:cSld>
+    <p:spTree>
+      <p:nvGrpSpPr>
+        <p:cNvPr id="1" name=""/>
+        <p:cNvGrpSpPr/>
+        <p:nvPr/>
+      </p:nvGrpSpPr>
+      <p:grpSpPr>
+        <a:xfrm>
+          <a:off x="0" y="0"/>
+          <a:ext cx="0" cy="0"/>
+          <a:chOff x="0" y="0"/>
+          <a:chExt cx="0" cy="0"/>
+        </a:xfrm>
+      </p:grpSpPr>
+      <p:sp>
+        <p:nvSpPr>
+          <p:cNvPr id="2" name="Slide Image Placeholder 1"/>
+          <p:cNvSpPr>
+            <a:spLocks noGrp="1" noRot="1" noChangeAspect="1"/>
+          </p:cNvSpPr>
+          <p:nvPr>
+            <p:ph type="sldImg"/>
+          </p:nvPr>
+        </p:nvSpPr>
+        <p:spPr/>
+      </p:sp>
+      <p:sp>
+        <p:nvSpPr>
+          <p:cNvPr id="3" name="Notes Placeholder 2"/>
+          <p:cNvSpPr>
+            <a:spLocks noGrp="1"/>
+          </p:cNvSpPr>
+          <p:nvPr>
+            <p:ph type="body" idx="1"/>
+          </p:nvPr>
+        </p:nvSpPr>
+        <p:spPr/>
+        <p:txBody>
+          <a:bodyPr/>
+          <a:lstStyle/>
+          <a:p>
+            <a:r>
+              <a:rPr lang="en-US" dirty="0" smtClean="0"/>
+              <a:t>Walk through the current application we have. Highligh</a:t>
+            </a:r>
+            <a:r>
+              <a:rPr lang="en-US" baseline="0" dirty="0" smtClean="0"/>
+              <a:t>t things like the data access and question. Mention changes we'd like to make going forward.</a:t>
+            </a:r>
+            <a:endParaRPr lang="en-US" dirty="0"/>
+          </a:p>
+        </p:txBody>
+      </p:sp>
+      <p:sp>
+        <p:nvSpPr>
+          <p:cNvPr id="4" name="Slide Number Placeholder 3"/>
+          <p:cNvSpPr>
+            <a:spLocks noGrp="1"/>
+          </p:cNvSpPr>
+          <p:nvPr>
+            <p:ph type="sldNum" sz="quarter" idx="10"/>
+          </p:nvPr>
+        </p:nvSpPr>
+        <p:spPr/>
+        <p:txBody>
+          <a:bodyPr/>
+          <a:lstStyle/>
+          <a:p>
+            <a:fld id="{4CFD207A-07DF-40AD-A916-9872E089CE7A}" type="slidenum">
+              <a:rPr lang="en-US" smtClean="0"/>
+              <a:t>20</a:t>
+            </a:fld>
+            <a:endParaRPr lang="en-US"/>
+          </a:p>
+        </p:txBody>
+      </p:sp>
+    </p:spTree>
+    <p:extLst>
+      <p:ext uri="{BB962C8B-B14F-4D97-AF65-F5344CB8AC3E}">
+        <p14:creationId xmlns:p14="http://schemas.microsoft.com/office/powerpoint/2010/main" val="3551635487"/>
       </p:ext>
     </p:extLst>
   </p:cSld>
@@ -7883,11 +8553,11 @@
   <p:clrMapOvr>
     <a:masterClrMapping/>
   </p:clrMapOvr>
-  <mc:AlternateContent xmlns:mc="http://schemas.openxmlformats.org/markup-compatibility/2006">
-    <mc:Choice xmlns:p14="http://schemas.microsoft.com/office/powerpoint/2010/main" Requires="p14">
+  <mc:AlternateContent xmlns:mc="http://schemas.openxmlformats.org/markup-compatibility/2006" xmlns:p14="http://schemas.microsoft.com/office/powerpoint/2010/main">
+    <mc:Choice Requires="p14">
       <p:transition spd="slow" p14:dur="2000"/>
     </mc:Choice>
-    <mc:Fallback>
+    <mc:Fallback xmlns="">
       <p:transition spd="slow"/>
     </mc:Fallback>
   </mc:AlternateContent>
@@ -8421,11 +9091,11 @@
   <p:clrMapOvr>
     <a:masterClrMapping/>
   </p:clrMapOvr>
-  <mc:AlternateContent xmlns:mc="http://schemas.openxmlformats.org/markup-compatibility/2006">
-    <mc:Choice xmlns:p14="http://schemas.microsoft.com/office/powerpoint/2010/main" Requires="p14">
+  <mc:AlternateContent xmlns:mc="http://schemas.openxmlformats.org/markup-compatibility/2006" xmlns:p14="http://schemas.microsoft.com/office/powerpoint/2010/main">
+    <mc:Choice Requires="p14">
       <p:transition spd="slow" p14:dur="2000"/>
     </mc:Choice>
-    <mc:Fallback>
+    <mc:Fallback xmlns="">
       <p:transition spd="slow"/>
     </mc:Fallback>
   </mc:AlternateContent>
@@ -8767,11 +9437,11 @@
   <p:clrMapOvr>
     <a:masterClrMapping/>
   </p:clrMapOvr>
-  <mc:AlternateContent xmlns:mc="http://schemas.openxmlformats.org/markup-compatibility/2006">
-    <mc:Choice xmlns:p14="http://schemas.microsoft.com/office/powerpoint/2010/main" Requires="p14">
+  <mc:AlternateContent xmlns:mc="http://schemas.openxmlformats.org/markup-compatibility/2006" xmlns:p14="http://schemas.microsoft.com/office/powerpoint/2010/main">
+    <mc:Choice Requires="p14">
       <p:transition spd="slow" p14:dur="2000"/>
     </mc:Choice>
-    <mc:Fallback>
+    <mc:Fallback xmlns="">
       <p:transition spd="slow"/>
     </mc:Fallback>
   </mc:AlternateContent>
@@ -10199,11 +10869,11 @@
   <p:clrMapOvr>
     <a:masterClrMapping/>
   </p:clrMapOvr>
-  <mc:AlternateContent xmlns:mc="http://schemas.openxmlformats.org/markup-compatibility/2006">
-    <mc:Choice xmlns:p14="http://schemas.microsoft.com/office/powerpoint/2010/main" Requires="p14">
+  <mc:AlternateContent xmlns:mc="http://schemas.openxmlformats.org/markup-compatibility/2006" xmlns:p14="http://schemas.microsoft.com/office/powerpoint/2010/main">
+    <mc:Choice Requires="p14">
       <p:transition spd="slow" p14:dur="2000"/>
     </mc:Choice>
-    <mc:Fallback>
+    <mc:Fallback xmlns="">
       <p:transition spd="slow"/>
     </mc:Fallback>
   </mc:AlternateContent>
@@ -11380,11 +12050,11 @@
   <p:clrMapOvr>
     <a:masterClrMapping/>
   </p:clrMapOvr>
-  <mc:AlternateContent xmlns:mc="http://schemas.openxmlformats.org/markup-compatibility/2006">
-    <mc:Choice xmlns:p14="http://schemas.microsoft.com/office/powerpoint/2010/main" Requires="p14">
+  <mc:AlternateContent xmlns:mc="http://schemas.openxmlformats.org/markup-compatibility/2006" xmlns:p14="http://schemas.microsoft.com/office/powerpoint/2010/main">
+    <mc:Choice Requires="p14">
       <p:transition spd="slow" p14:dur="2000"/>
     </mc:Choice>
-    <mc:Fallback>
+    <mc:Fallback xmlns="">
       <p:transition spd="slow"/>
     </mc:Fallback>
   </mc:AlternateContent>
@@ -11449,12 +12119,16 @@
           </p:cNvGraphicFramePr>
           <p:nvPr>
             <p:ph sz="quarter" idx="10"/>
-            <p:extLst/>
+            <p:extLst>
+              <p:ext uri="{D42A27DB-BD31-4B8C-83A1-F6EECF244321}">
+                <p14:modId xmlns:p14="http://schemas.microsoft.com/office/powerpoint/2010/main" val="3382014723"/>
+              </p:ext>
+            </p:extLst>
           </p:nvPr>
         </p:nvGraphicFramePr>
         <p:xfrm>
           <a:off x="379413" y="1417636"/>
-          <a:ext cx="11525250" cy="4605792"/>
+          <a:ext cx="11525250" cy="3070528"/>
         </p:xfrm>
         <a:graphic>
           <a:graphicData uri="http://schemas.openxmlformats.org/drawingml/2006/table">
@@ -11526,7 +12200,7 @@
                           <a:latin typeface="Segoe UI Light" panose="020B0502040204020203" pitchFamily="34" charset="0"/>
                           <a:cs typeface="Segoe UI Light" panose="020B0502040204020203" pitchFamily="34" charset="0"/>
                         </a:rPr>
-                        <a:t>01 | </a:t>
+                        <a:t>01 | Flask application design</a:t>
                       </a:r>
                       <a:endParaRPr lang="en-US" sz="2400" dirty="0">
                         <a:latin typeface="Segoe UI Light" panose="020B0502040204020203" pitchFamily="34" charset="0"/>
@@ -11546,7 +12220,7 @@
                           <a:latin typeface="Segoe UI Light" panose="020B0502040204020203" pitchFamily="34" charset="0"/>
                           <a:cs typeface="Segoe UI Light" panose="020B0502040204020203" pitchFamily="34" charset="0"/>
                         </a:rPr>
-                        <a:t>06 | </a:t>
+                        <a:t>04 | Python to databases</a:t>
                       </a:r>
                       <a:endParaRPr lang="en-US" sz="2400" dirty="0">
                         <a:latin typeface="Segoe UI Light" panose="020B0502040204020203" pitchFamily="34" charset="0"/>
@@ -11573,7 +12247,14 @@
                           <a:latin typeface="Segoe UI Light" panose="020B0502040204020203" pitchFamily="34" charset="0"/>
                           <a:cs typeface="Segoe UI Light" panose="020B0502040204020203" pitchFamily="34" charset="0"/>
                         </a:rPr>
-                        <a:t>02 | </a:t>
+                        <a:t>02 | Object oriented</a:t>
+                      </a:r>
+                      <a:r>
+                        <a:rPr lang="en-US" sz="2400" baseline="0" dirty="0" smtClean="0">
+                          <a:latin typeface="Segoe UI Light" panose="020B0502040204020203" pitchFamily="34" charset="0"/>
+                          <a:cs typeface="Segoe UI Light" panose="020B0502040204020203" pitchFamily="34" charset="0"/>
+                        </a:rPr>
+                        <a:t> programming</a:t>
                       </a:r>
                       <a:endParaRPr lang="en-US" sz="2400" dirty="0">
                         <a:latin typeface="Segoe UI Light" panose="020B0502040204020203" pitchFamily="34" charset="0"/>
@@ -11593,7 +12274,21 @@
                           <a:latin typeface="Segoe UI Light" panose="020B0502040204020203" pitchFamily="34" charset="0"/>
                           <a:cs typeface="Segoe UI Light" panose="020B0502040204020203" pitchFamily="34" charset="0"/>
                         </a:rPr>
-                        <a:t>07 | </a:t>
+                        <a:t>05 | </a:t>
+                      </a:r>
+                      <a:r>
+                        <a:rPr lang="en-US" sz="2400" dirty="0" err="1" smtClean="0">
+                          <a:latin typeface="Segoe UI Light" panose="020B0502040204020203" pitchFamily="34" charset="0"/>
+                          <a:cs typeface="Segoe UI Light" panose="020B0502040204020203" pitchFamily="34" charset="0"/>
+                        </a:rPr>
+                        <a:t>Jinja</a:t>
+                      </a:r>
+                      <a:r>
+                        <a:rPr lang="en-US" sz="2400" dirty="0" smtClean="0">
+                          <a:latin typeface="Segoe UI Light" panose="020B0502040204020203" pitchFamily="34" charset="0"/>
+                          <a:cs typeface="Segoe UI Light" panose="020B0502040204020203" pitchFamily="34" charset="0"/>
+                        </a:rPr>
+                        <a:t> layouts</a:t>
                       </a:r>
                       <a:endParaRPr lang="en-US" sz="2400" dirty="0">
                         <a:latin typeface="Segoe UI Light" panose="020B0502040204020203" pitchFamily="34" charset="0"/>
@@ -11644,7 +12339,7 @@
                           <a:latin typeface="Segoe UI Light" panose="020B0502040204020203" pitchFamily="34" charset="0"/>
                           <a:cs typeface="Segoe UI Light" panose="020B0502040204020203" pitchFamily="34" charset="0"/>
                         </a:rPr>
-                        <a:t> | </a:t>
+                        <a:t> | Introduction to databases</a:t>
                       </a:r>
                       <a:endParaRPr lang="en-US" sz="2400" dirty="0" smtClean="0">
                         <a:latin typeface="Segoe UI Light" panose="020B0502040204020203" pitchFamily="34" charset="0"/>
@@ -11664,7 +12359,7 @@
                           <a:latin typeface="Segoe UI Light" panose="020B0502040204020203" pitchFamily="34" charset="0"/>
                           <a:cs typeface="Segoe UI Light" panose="020B0502040204020203" pitchFamily="34" charset="0"/>
                         </a:rPr>
-                        <a:t>08 | </a:t>
+                        <a:t>06 | Introduction to Bootstrap</a:t>
                       </a:r>
                       <a:endParaRPr lang="en-US" sz="2400" dirty="0">
                         <a:latin typeface="Segoe UI Light" panose="020B0502040204020203" pitchFamily="34" charset="0"/>
@@ -11677,107 +12372,6 @@
                 <a:extLst>
                   <a:ext uri="{0D108BD9-81ED-4DB2-BD59-A6C34878D82A}">
                     <a16:rowId xmlns="" xmlns:a16="http://schemas.microsoft.com/office/drawing/2014/main" val="3812060533"/>
-                  </a:ext>
-                </a:extLst>
-              </a:tr>
-              <a:tr h="767632">
-                <a:tc>
-                  <a:txBody>
-                    <a:bodyPr/>
-                    <a:lstStyle/>
-                    <a:p>
-                      <a:r>
-                        <a:rPr lang="en-US" sz="2400" dirty="0" smtClean="0">
-                          <a:latin typeface="Segoe UI Light" panose="020B0502040204020203" pitchFamily="34" charset="0"/>
-                          <a:cs typeface="Segoe UI Light" panose="020B0502040204020203" pitchFamily="34" charset="0"/>
-                        </a:rPr>
-                        <a:t>04 | </a:t>
-                      </a:r>
-                      <a:endParaRPr lang="en-US" sz="2400" dirty="0">
-                        <a:latin typeface="Segoe UI Light" panose="020B0502040204020203" pitchFamily="34" charset="0"/>
-                        <a:cs typeface="Segoe UI Light" panose="020B0502040204020203" pitchFamily="34" charset="0"/>
-                      </a:endParaRPr>
-                    </a:p>
-                  </a:txBody>
-                  <a:tcPr anchor="ctr"/>
-                </a:tc>
-                <a:tc>
-                  <a:txBody>
-                    <a:bodyPr/>
-                    <a:lstStyle/>
-                    <a:p>
-                      <a:r>
-                        <a:rPr lang="en-US" sz="2400" dirty="0" smtClean="0">
-                          <a:latin typeface="Segoe UI Light" panose="020B0502040204020203" pitchFamily="34" charset="0"/>
-                          <a:cs typeface="Segoe UI Light" panose="020B0502040204020203" pitchFamily="34" charset="0"/>
-                        </a:rPr>
-                        <a:t>09 | </a:t>
-                      </a:r>
-                      <a:endParaRPr lang="en-US" sz="2400" dirty="0">
-                        <a:latin typeface="Segoe UI Light" panose="020B0502040204020203" pitchFamily="34" charset="0"/>
-                        <a:cs typeface="Segoe UI Light" panose="020B0502040204020203" pitchFamily="34" charset="0"/>
-                      </a:endParaRPr>
-                    </a:p>
-                  </a:txBody>
-                  <a:tcPr anchor="ctr"/>
-                </a:tc>
-                <a:extLst>
-                  <a:ext uri="{0D108BD9-81ED-4DB2-BD59-A6C34878D82A}">
-                    <a16:rowId xmlns="" xmlns:a16="http://schemas.microsoft.com/office/drawing/2014/main" val="733235577"/>
-                  </a:ext>
-                </a:extLst>
-              </a:tr>
-              <a:tr h="767632">
-                <a:tc>
-                  <a:txBody>
-                    <a:bodyPr/>
-                    <a:lstStyle/>
-                    <a:p>
-                      <a:r>
-                        <a:rPr lang="en-US" sz="2400" dirty="0" smtClean="0">
-                          <a:latin typeface="Segoe UI Light" panose="020B0502040204020203" pitchFamily="34" charset="0"/>
-                          <a:cs typeface="Segoe UI Light" panose="020B0502040204020203" pitchFamily="34" charset="0"/>
-                        </a:rPr>
-                        <a:t>05</a:t>
-                      </a:r>
-                      <a:r>
-                        <a:rPr lang="en-US" sz="2400" baseline="0" dirty="0" smtClean="0">
-                          <a:latin typeface="Segoe UI Light" panose="020B0502040204020203" pitchFamily="34" charset="0"/>
-                          <a:cs typeface="Segoe UI Light" panose="020B0502040204020203" pitchFamily="34" charset="0"/>
-                        </a:rPr>
-                        <a:t> | </a:t>
-                      </a:r>
-                      <a:endParaRPr lang="en-US" sz="2400" dirty="0">
-                        <a:latin typeface="Segoe UI Light" panose="020B0502040204020203" pitchFamily="34" charset="0"/>
-                        <a:cs typeface="Segoe UI Light" panose="020B0502040204020203" pitchFamily="34" charset="0"/>
-                      </a:endParaRPr>
-                    </a:p>
-                  </a:txBody>
-                  <a:tcPr anchor="ctr"/>
-                </a:tc>
-                <a:tc>
-                  <a:txBody>
-                    <a:bodyPr/>
-                    <a:lstStyle/>
-                    <a:p>
-                      <a:r>
-                        <a:rPr lang="en-US" sz="2400" dirty="0" smtClean="0">
-                          <a:latin typeface="Segoe UI Light" panose="020B0502040204020203" pitchFamily="34" charset="0"/>
-                          <a:cs typeface="Segoe UI Light" panose="020B0502040204020203" pitchFamily="34" charset="0"/>
-                        </a:rPr>
-                        <a:t>10 | </a:t>
-                      </a:r>
-                      <a:endParaRPr lang="en-US" sz="2400" dirty="0">
-                        <a:latin typeface="Segoe UI Light" panose="020B0502040204020203" pitchFamily="34" charset="0"/>
-                        <a:cs typeface="Segoe UI Light" panose="020B0502040204020203" pitchFamily="34" charset="0"/>
-                      </a:endParaRPr>
-                    </a:p>
-                  </a:txBody>
-                  <a:tcPr anchor="ctr"/>
-                </a:tc>
-                <a:extLst>
-                  <a:ext uri="{0D108BD9-81ED-4DB2-BD59-A6C34878D82A}">
-                    <a16:rowId xmlns="" xmlns:a16="http://schemas.microsoft.com/office/drawing/2014/main" val="2343148695"/>
                   </a:ext>
                 </a:extLst>
               </a:tr>
@@ -11795,11 +12389,11 @@
   <p:clrMapOvr>
     <a:masterClrMapping/>
   </p:clrMapOvr>
-  <mc:AlternateContent xmlns:mc="http://schemas.openxmlformats.org/markup-compatibility/2006">
-    <mc:Choice xmlns:p14="http://schemas.microsoft.com/office/powerpoint/2010/main" Requires="p14">
+  <mc:AlternateContent xmlns:mc="http://schemas.openxmlformats.org/markup-compatibility/2006" xmlns:p14="http://schemas.microsoft.com/office/powerpoint/2010/main">
+    <mc:Choice Requires="p14">
       <p:transition spd="slow" p14:dur="2000"/>
     </mc:Choice>
-    <mc:Fallback>
+    <mc:Fallback xmlns="">
       <p:transition spd="slow"/>
     </mc:Fallback>
   </mc:AlternateContent>
@@ -12095,13 +12689,13 @@
   <p:clrMapOvr>
     <a:masterClrMapping/>
   </p:clrMapOvr>
-  <mc:AlternateContent xmlns:mc="http://schemas.openxmlformats.org/markup-compatibility/2006">
-    <mc:Choice xmlns:p14="http://schemas.microsoft.com/office/powerpoint/2010/main" Requires="p14">
+  <mc:AlternateContent xmlns:mc="http://schemas.openxmlformats.org/markup-compatibility/2006" xmlns:p14="http://schemas.microsoft.com/office/powerpoint/2010/main">
+    <mc:Choice Requires="p14">
       <p:transition spd="med" p14:dur="700">
         <p:fade/>
       </p:transition>
     </mc:Choice>
-    <mc:Fallback>
+    <mc:Fallback xmlns="">
       <p:transition spd="med">
         <p:fade/>
       </p:transition>
@@ -12159,15 +12753,7 @@
             <a:pPr marL="914400" indent="-914400"/>
             <a:r>
               <a:rPr lang="en-US" dirty="0" smtClean="0"/>
-              <a:t>01 </a:t>
-            </a:r>
-            <a:r>
-              <a:rPr lang="en-US" dirty="0" smtClean="0"/>
-              <a:t>| </a:t>
-            </a:r>
-            <a:r>
-              <a:rPr lang="en-US" dirty="0" smtClean="0"/>
-              <a:t>Flask Design</a:t>
+              <a:t>01 | Flask Design</a:t>
             </a:r>
             <a:endParaRPr lang="en-US" dirty="0"/>
           </a:p>
@@ -14508,6 +15094,21 @@
 </file>
 
 <file path=customXml/item1.xml><?xml version="1.0" encoding="utf-8"?>
+<?mso-contentType ?>
+<FormTemplates xmlns="http://schemas.microsoft.com/sharepoint/v3/contenttype/forms">
+  <Display>DocumentLibraryForm</Display>
+  <Edit>DocumentLibraryForm</Edit>
+  <New>DocumentLibraryForm</New>
+</FormTemplates>
+</file>
+
+<file path=customXml/item2.xml><?xml version="1.0" encoding="utf-8"?>
+<p:properties xmlns:p="http://schemas.microsoft.com/office/2006/metadata/properties" xmlns:xsi="http://www.w3.org/2001/XMLSchema-instance" xmlns:pc="http://schemas.microsoft.com/office/infopath/2007/PartnerControls">
+  <documentManagement/>
+</p:properties>
+</file>
+
+<file path=customXml/item3.xml><?xml version="1.0" encoding="utf-8"?>
 <ct:contentTypeSchema xmlns:ct="http://schemas.microsoft.com/office/2006/metadata/contentType" xmlns:ma="http://schemas.microsoft.com/office/2006/metadata/properties/metaAttributes" ct:_="" ma:_="" ma:contentTypeName="Document" ma:contentTypeID="0x010100BD9BF63586D9884E9335F37127EABBE8" ma:contentTypeVersion="1" ma:contentTypeDescription="Create a new document." ma:contentTypeScope="" ma:versionID="b9abee3a6b7d355b9c1a31dbb76ab4bc">
   <xsd:schema xmlns:xsd="http://www.w3.org/2001/XMLSchema" xmlns:xs="http://www.w3.org/2001/XMLSchema" xmlns:p="http://schemas.microsoft.com/office/2006/metadata/properties" xmlns:ns3="e5a13ba8-98e3-4f23-a221-7ac9824aa662" targetNamespace="http://schemas.microsoft.com/office/2006/metadata/properties" ma:root="true" ma:fieldsID="9d02d2e6bc0f5948a1713c06f6c13b3b" ns3:_="">
     <xsd:import namespace="e5a13ba8-98e3-4f23-a221-7ac9824aa662"/>
@@ -14647,22 +15248,31 @@
 </ct:contentTypeSchema>
 </file>
 
-<file path=customXml/item2.xml><?xml version="1.0" encoding="utf-8"?>
-<?mso-contentType ?>
-<FormTemplates xmlns="http://schemas.microsoft.com/sharepoint/v3/contenttype/forms">
-  <Display>DocumentLibraryForm</Display>
-  <Edit>DocumentLibraryForm</Edit>
-  <New>DocumentLibraryForm</New>
-</FormTemplates>
+<file path=customXml/itemProps1.xml><?xml version="1.0" encoding="utf-8"?>
+<ds:datastoreItem xmlns:ds="http://schemas.openxmlformats.org/officeDocument/2006/customXml" ds:itemID="{B0CA13EC-1D3C-4D6F-8D1C-E8A452CFC79A}">
+  <ds:schemaRefs>
+    <ds:schemaRef ds:uri="http://schemas.microsoft.com/sharepoint/v3/contenttype/forms"/>
+  </ds:schemaRefs>
+</ds:datastoreItem>
 </file>
 
-<file path=customXml/item3.xml><?xml version="1.0" encoding="utf-8"?>
-<p:properties xmlns:p="http://schemas.microsoft.com/office/2006/metadata/properties" xmlns:xsi="http://www.w3.org/2001/XMLSchema-instance" xmlns:pc="http://schemas.microsoft.com/office/infopath/2007/PartnerControls">
-  <documentManagement/>
-</p:properties>
+<file path=customXml/itemProps2.xml><?xml version="1.0" encoding="utf-8"?>
+<ds:datastoreItem xmlns:ds="http://schemas.openxmlformats.org/officeDocument/2006/customXml" ds:itemID="{7025FDD9-4C58-4084-9F89-0E6ADD6FFF55}">
+  <ds:schemaRefs>
+    <ds:schemaRef ds:uri="http://purl.org/dc/terms/"/>
+    <ds:schemaRef ds:uri="http://schemas.openxmlformats.org/package/2006/metadata/core-properties"/>
+    <ds:schemaRef ds:uri="http://schemas.microsoft.com/office/2006/documentManagement/types"/>
+    <ds:schemaRef ds:uri="http://schemas.microsoft.com/office/infopath/2007/PartnerControls"/>
+    <ds:schemaRef ds:uri="http://purl.org/dc/elements/1.1/"/>
+    <ds:schemaRef ds:uri="http://schemas.microsoft.com/office/2006/metadata/properties"/>
+    <ds:schemaRef ds:uri="e5a13ba8-98e3-4f23-a221-7ac9824aa662"/>
+    <ds:schemaRef ds:uri="http://www.w3.org/XML/1998/namespace"/>
+    <ds:schemaRef ds:uri="http://purl.org/dc/dcmitype/"/>
+  </ds:schemaRefs>
+</ds:datastoreItem>
 </file>
 
-<file path=customXml/itemProps1.xml><?xml version="1.0" encoding="utf-8"?>
+<file path=customXml/itemProps3.xml><?xml version="1.0" encoding="utf-8"?>
 <ds:datastoreItem xmlns:ds="http://schemas.openxmlformats.org/officeDocument/2006/customXml" ds:itemID="{1E1E45CC-2FEE-40FA-AA55-B597D74C6344}">
   <ds:schemaRefs>
     <ds:schemaRef ds:uri="http://schemas.microsoft.com/office/2006/metadata/contentType"/>
@@ -14678,28 +15288,4 @@
     <ds:schemaRef ds:uri="http://schemas.microsoft.com/internal/obd"/>
   </ds:schemaRefs>
 </ds:datastoreItem>
-</file>
-
-<file path=customXml/itemProps2.xml><?xml version="1.0" encoding="utf-8"?>
-<ds:datastoreItem xmlns:ds="http://schemas.openxmlformats.org/officeDocument/2006/customXml" ds:itemID="{B0CA13EC-1D3C-4D6F-8D1C-E8A452CFC79A}">
-  <ds:schemaRefs>
-    <ds:schemaRef ds:uri="http://schemas.microsoft.com/sharepoint/v3/contenttype/forms"/>
-  </ds:schemaRefs>
-</ds:datastoreItem>
-</file>
-
-<file path=customXml/itemProps3.xml><?xml version="1.0" encoding="utf-8"?>
-<ds:datastoreItem xmlns:ds="http://schemas.openxmlformats.org/officeDocument/2006/customXml" ds:itemID="{7025FDD9-4C58-4084-9F89-0E6ADD6FFF55}">
-  <ds:schemaRefs>
-    <ds:schemaRef ds:uri="http://purl.org/dc/terms/"/>
-    <ds:schemaRef ds:uri="http://schemas.openxmlformats.org/package/2006/metadata/core-properties"/>
-    <ds:schemaRef ds:uri="http://schemas.microsoft.com/office/2006/documentManagement/types"/>
-    <ds:schemaRef ds:uri="http://schemas.microsoft.com/office/infopath/2007/PartnerControls"/>
-    <ds:schemaRef ds:uri="http://purl.org/dc/elements/1.1/"/>
-    <ds:schemaRef ds:uri="http://schemas.microsoft.com/office/2006/metadata/properties"/>
-    <ds:schemaRef ds:uri="e5a13ba8-98e3-4f23-a221-7ac9824aa662"/>
-    <ds:schemaRef ds:uri="http://www.w3.org/XML/1998/namespace"/>
-    <ds:schemaRef ds:uri="http://purl.org/dc/dcmitype/"/>
-  </ds:schemaRefs>
-</ds:datastoreItem>
 </file>
--- a/Slides/Module 1 - Flask Application Design.pptx
+++ b/Slides/Module 1 - Flask Application Design.pptx
@@ -231,7 +231,7 @@
           <a:p>
             <a:fld id="{312E7B4A-039C-48A2-9B2C-AF16AA3873D8}" type="datetimeFigureOut">
               <a:rPr lang="en-US" smtClean="0"/>
-              <a:t>2/25/2015</a:t>
+              <a:t>2/27/2015</a:t>
             </a:fld>
             <a:endParaRPr lang="en-US"/>
           </a:p>
@@ -396,7 +396,7 @@
           <a:p>
             <a:fld id="{DA005A0C-54D9-45AA-87D4-C551D08DFCE1}" type="datetimeFigureOut">
               <a:rPr lang="en-US" smtClean="0"/>
-              <a:t>2/25/2015</a:t>
+              <a:t>2/27/2015</a:t>
             </a:fld>
             <a:endParaRPr lang="en-US"/>
           </a:p>
@@ -825,11 +825,7 @@
             </a:r>
             <a:r>
               <a:rPr lang="en-US" dirty="0" smtClean="0"/>
-              <a:t>Add </a:t>
-            </a:r>
-            <a:r>
-              <a:rPr lang="en-US" dirty="0" smtClean="0"/>
-              <a:t>package to project. Name it </a:t>
+              <a:t>Add package to project. Name it </a:t>
             </a:r>
             <a:r>
               <a:rPr lang="en-US" dirty="0" err="1" smtClean="0"/>
@@ -854,11 +850,7 @@
             </a:r>
             <a:r>
               <a:rPr lang="en-US" baseline="0" dirty="0" smtClean="0"/>
-              <a:t>Add </a:t>
-            </a:r>
-            <a:r>
-              <a:rPr lang="en-US" baseline="0" dirty="0" smtClean="0"/>
-              <a:t>the following code to __init__.py. Highlight the fact this is essentially what we had in the top of app.py.</a:t>
+              <a:t>Add the following code to __init__.py. Highlight the fact this is essentially what we had in the top of app.py.</a:t>
             </a:r>
           </a:p>
           <a:p>
@@ -1016,18 +1008,7 @@
                 <a:ea typeface="+mn-ea"/>
                 <a:cs typeface="+mn-cs"/>
               </a:rPr>
-              <a:t> </a:t>
-            </a:r>
-            <a:r>
-              <a:rPr lang="en-US" sz="1200" kern="1200" dirty="0" smtClean="0">
-                <a:solidFill>
-                  <a:schemeClr val="tx1"/>
-                </a:solidFill>
-                <a:latin typeface="+mn-lt"/>
-                <a:ea typeface="+mn-ea"/>
-                <a:cs typeface="+mn-cs"/>
-              </a:rPr>
-              <a:t>Rename routes.py</a:t>
+              <a:t> Rename routes.py</a:t>
             </a:r>
             <a:r>
               <a:rPr lang="en-US" sz="1200" kern="1200" baseline="0" dirty="0" smtClean="0">
@@ -1925,32 +1906,11 @@
                 <a:spcPts val="1000"/>
               </a:spcAft>
             </a:pPr>
-            <a:r>
-              <a:rPr lang="en-US" sz="1000">
-                <a:latin typeface="Arial"/>
-                <a:ea typeface="Calibri"/>
-                <a:cs typeface="Times New Roman"/>
-              </a:rPr>
-              <a:t>Students will learn more about Entity Framework and data access in Module 2.</a:t>
-            </a:r>
-          </a:p>
-          <a:p>
-            <a:pPr>
-              <a:lnSpc>
-                <a:spcPct val="115000"/>
-              </a:lnSpc>
-              <a:spcAft>
-                <a:spcPts val="1000"/>
-              </a:spcAft>
-            </a:pPr>
-            <a:r>
-              <a:rPr lang="en-US" sz="1000">
-                <a:latin typeface="Arial"/>
-                <a:ea typeface="Calibri"/>
-                <a:cs typeface="Times New Roman"/>
-              </a:rPr>
-              <a:t>Students will learn more about the ASP.NET Routing Engine in Module 7.</a:t>
-            </a:r>
+            <a:endParaRPr lang="en-US" sz="1000" dirty="0">
+              <a:latin typeface="Arial"/>
+              <a:ea typeface="Calibri"/>
+              <a:cs typeface="Times New Roman"/>
+            </a:endParaRPr>
           </a:p>
         </p:txBody>
       </p:sp>
@@ -12140,14 +12100,14 @@
                 <a:gridCol w="5762625">
                   <a:extLst>
                     <a:ext uri="{9D8B030D-6E8A-4147-A177-3AD203B41FA5}">
-                      <a16:colId xmlns="" xmlns:a16="http://schemas.microsoft.com/office/drawing/2014/main" val="1632794655"/>
+                      <a16:colId xmlns:a16="http://schemas.microsoft.com/office/drawing/2014/main" xmlns="" val="1632794655"/>
                     </a:ext>
                   </a:extLst>
                 </a:gridCol>
                 <a:gridCol w="5762625">
                   <a:extLst>
                     <a:ext uri="{9D8B030D-6E8A-4147-A177-3AD203B41FA5}">
-                      <a16:colId xmlns="" xmlns:a16="http://schemas.microsoft.com/office/drawing/2014/main" val="2011313899"/>
+                      <a16:colId xmlns:a16="http://schemas.microsoft.com/office/drawing/2014/main" xmlns="" val="2011313899"/>
                     </a:ext>
                   </a:extLst>
                 </a:gridCol>
@@ -12185,7 +12145,7 @@
                 </a:tc>
                 <a:extLst>
                   <a:ext uri="{0D108BD9-81ED-4DB2-BD59-A6C34878D82A}">
-                    <a16:rowId xmlns="" xmlns:a16="http://schemas.microsoft.com/office/drawing/2014/main" val="1789177411"/>
+                    <a16:rowId xmlns:a16="http://schemas.microsoft.com/office/drawing/2014/main" xmlns="" val="1789177411"/>
                   </a:ext>
                 </a:extLst>
               </a:tr>
@@ -12232,7 +12192,7 @@
                 </a:tc>
                 <a:extLst>
                   <a:ext uri="{0D108BD9-81ED-4DB2-BD59-A6C34878D82A}">
-                    <a16:rowId xmlns="" xmlns:a16="http://schemas.microsoft.com/office/drawing/2014/main" val="3842815335"/>
+                    <a16:rowId xmlns:a16="http://schemas.microsoft.com/office/drawing/2014/main" xmlns="" val="3842815335"/>
                   </a:ext>
                 </a:extLst>
               </a:tr>
@@ -12300,7 +12260,7 @@
                 </a:tc>
                 <a:extLst>
                   <a:ext uri="{0D108BD9-81ED-4DB2-BD59-A6C34878D82A}">
-                    <a16:rowId xmlns="" xmlns:a16="http://schemas.microsoft.com/office/drawing/2014/main" val="321066646"/>
+                    <a16:rowId xmlns:a16="http://schemas.microsoft.com/office/drawing/2014/main" xmlns="" val="321066646"/>
                   </a:ext>
                 </a:extLst>
               </a:tr>
@@ -12371,7 +12331,7 @@
                 </a:tc>
                 <a:extLst>
                   <a:ext uri="{0D108BD9-81ED-4DB2-BD59-A6C34878D82A}">
-                    <a16:rowId xmlns="" xmlns:a16="http://schemas.microsoft.com/office/drawing/2014/main" val="3812060533"/>
+                    <a16:rowId xmlns:a16="http://schemas.microsoft.com/office/drawing/2014/main" xmlns="" val="3812060533"/>
                   </a:ext>
                 </a:extLst>
               </a:tr>
@@ -15094,21 +15054,6 @@
 </file>
 
 <file path=customXml/item1.xml><?xml version="1.0" encoding="utf-8"?>
-<?mso-contentType ?>
-<FormTemplates xmlns="http://schemas.microsoft.com/sharepoint/v3/contenttype/forms">
-  <Display>DocumentLibraryForm</Display>
-  <Edit>DocumentLibraryForm</Edit>
-  <New>DocumentLibraryForm</New>
-</FormTemplates>
-</file>
-
-<file path=customXml/item2.xml><?xml version="1.0" encoding="utf-8"?>
-<p:properties xmlns:p="http://schemas.microsoft.com/office/2006/metadata/properties" xmlns:xsi="http://www.w3.org/2001/XMLSchema-instance" xmlns:pc="http://schemas.microsoft.com/office/infopath/2007/PartnerControls">
-  <documentManagement/>
-</p:properties>
-</file>
-
-<file path=customXml/item3.xml><?xml version="1.0" encoding="utf-8"?>
 <ct:contentTypeSchema xmlns:ct="http://schemas.microsoft.com/office/2006/metadata/contentType" xmlns:ma="http://schemas.microsoft.com/office/2006/metadata/properties/metaAttributes" ct:_="" ma:_="" ma:contentTypeName="Document" ma:contentTypeID="0x010100BD9BF63586D9884E9335F37127EABBE8" ma:contentTypeVersion="1" ma:contentTypeDescription="Create a new document." ma:contentTypeScope="" ma:versionID="b9abee3a6b7d355b9c1a31dbb76ab4bc">
   <xsd:schema xmlns:xsd="http://www.w3.org/2001/XMLSchema" xmlns:xs="http://www.w3.org/2001/XMLSchema" xmlns:p="http://schemas.microsoft.com/office/2006/metadata/properties" xmlns:ns3="e5a13ba8-98e3-4f23-a221-7ac9824aa662" targetNamespace="http://schemas.microsoft.com/office/2006/metadata/properties" ma:root="true" ma:fieldsID="9d02d2e6bc0f5948a1713c06f6c13b3b" ns3:_="">
     <xsd:import namespace="e5a13ba8-98e3-4f23-a221-7ac9824aa662"/>
@@ -15248,10 +15193,35 @@
 </ct:contentTypeSchema>
 </file>
 
+<file path=customXml/item2.xml><?xml version="1.0" encoding="utf-8"?>
+<p:properties xmlns:p="http://schemas.microsoft.com/office/2006/metadata/properties" xmlns:xsi="http://www.w3.org/2001/XMLSchema-instance" xmlns:pc="http://schemas.microsoft.com/office/infopath/2007/PartnerControls">
+  <documentManagement/>
+</p:properties>
+</file>
+
+<file path=customXml/item3.xml><?xml version="1.0" encoding="utf-8"?>
+<?mso-contentType ?>
+<FormTemplates xmlns="http://schemas.microsoft.com/sharepoint/v3/contenttype/forms">
+  <Display>DocumentLibraryForm</Display>
+  <Edit>DocumentLibraryForm</Edit>
+  <New>DocumentLibraryForm</New>
+</FormTemplates>
+</file>
+
 <file path=customXml/itemProps1.xml><?xml version="1.0" encoding="utf-8"?>
-<ds:datastoreItem xmlns:ds="http://schemas.openxmlformats.org/officeDocument/2006/customXml" ds:itemID="{B0CA13EC-1D3C-4D6F-8D1C-E8A452CFC79A}">
+<ds:datastoreItem xmlns:ds="http://schemas.openxmlformats.org/officeDocument/2006/customXml" ds:itemID="{1E1E45CC-2FEE-40FA-AA55-B597D74C6344}">
   <ds:schemaRefs>
-    <ds:schemaRef ds:uri="http://schemas.microsoft.com/sharepoint/v3/contenttype/forms"/>
+    <ds:schemaRef ds:uri="http://schemas.microsoft.com/office/2006/metadata/contentType"/>
+    <ds:schemaRef ds:uri="http://schemas.microsoft.com/office/2006/metadata/properties/metaAttributes"/>
+    <ds:schemaRef ds:uri="http://www.w3.org/2001/XMLSchema"/>
+    <ds:schemaRef ds:uri="http://schemas.microsoft.com/office/2006/metadata/properties"/>
+    <ds:schemaRef ds:uri="e5a13ba8-98e3-4f23-a221-7ac9824aa662"/>
+    <ds:schemaRef ds:uri="http://schemas.microsoft.com/office/2006/documentManagement/types"/>
+    <ds:schemaRef ds:uri="http://schemas.microsoft.com/office/infopath/2007/PartnerControls"/>
+    <ds:schemaRef ds:uri="http://schemas.openxmlformats.org/package/2006/metadata/core-properties"/>
+    <ds:schemaRef ds:uri="http://purl.org/dc/elements/1.1/"/>
+    <ds:schemaRef ds:uri="http://purl.org/dc/terms/"/>
+    <ds:schemaRef ds:uri="http://schemas.microsoft.com/internal/obd"/>
   </ds:schemaRefs>
 </ds:datastoreItem>
 </file>
@@ -15273,19 +15243,9 @@
 </file>
 
 <file path=customXml/itemProps3.xml><?xml version="1.0" encoding="utf-8"?>
-<ds:datastoreItem xmlns:ds="http://schemas.openxmlformats.org/officeDocument/2006/customXml" ds:itemID="{1E1E45CC-2FEE-40FA-AA55-B597D74C6344}">
+<ds:datastoreItem xmlns:ds="http://schemas.openxmlformats.org/officeDocument/2006/customXml" ds:itemID="{B0CA13EC-1D3C-4D6F-8D1C-E8A452CFC79A}">
   <ds:schemaRefs>
-    <ds:schemaRef ds:uri="http://schemas.microsoft.com/office/2006/metadata/contentType"/>
-    <ds:schemaRef ds:uri="http://schemas.microsoft.com/office/2006/metadata/properties/metaAttributes"/>
-    <ds:schemaRef ds:uri="http://www.w3.org/2001/XMLSchema"/>
-    <ds:schemaRef ds:uri="http://schemas.microsoft.com/office/2006/metadata/properties"/>
-    <ds:schemaRef ds:uri="e5a13ba8-98e3-4f23-a221-7ac9824aa662"/>
-    <ds:schemaRef ds:uri="http://schemas.microsoft.com/office/2006/documentManagement/types"/>
-    <ds:schemaRef ds:uri="http://schemas.microsoft.com/office/infopath/2007/PartnerControls"/>
-    <ds:schemaRef ds:uri="http://schemas.openxmlformats.org/package/2006/metadata/core-properties"/>
-    <ds:schemaRef ds:uri="http://purl.org/dc/elements/1.1/"/>
-    <ds:schemaRef ds:uri="http://purl.org/dc/terms/"/>
-    <ds:schemaRef ds:uri="http://schemas.microsoft.com/internal/obd"/>
+    <ds:schemaRef ds:uri="http://schemas.microsoft.com/sharepoint/v3/contenttype/forms"/>
   </ds:schemaRefs>
 </ds:datastoreItem>
 </file>
--- a/Slides/Module 1 - Flask Application Design.pptx
+++ b/Slides/Module 1 - Flask Application Design.pptx
@@ -231,7 +231,7 @@
           <a:p>
             <a:fld id="{312E7B4A-039C-48A2-9B2C-AF16AA3873D8}" type="datetimeFigureOut">
               <a:rPr lang="en-US" smtClean="0"/>
-              <a:t>2/27/2015</a:t>
+              <a:t>3/3/2015</a:t>
             </a:fld>
             <a:endParaRPr lang="en-US"/>
           </a:p>
@@ -396,7 +396,7 @@
           <a:p>
             <a:fld id="{DA005A0C-54D9-45AA-87D4-C551D08DFCE1}" type="datetimeFigureOut">
               <a:rPr lang="en-US" smtClean="0"/>
-              <a:t>2/27/2015</a:t>
+              <a:t>3/3/2015</a:t>
             </a:fld>
             <a:endParaRPr lang="en-US"/>
           </a:p>
@@ -12100,14 +12100,14 @@
                 <a:gridCol w="5762625">
                   <a:extLst>
                     <a:ext uri="{9D8B030D-6E8A-4147-A177-3AD203B41FA5}">
-                      <a16:colId xmlns:a16="http://schemas.microsoft.com/office/drawing/2014/main" xmlns="" val="1632794655"/>
+                      <a16:colId xmlns="" xmlns:a16="http://schemas.microsoft.com/office/drawing/2014/main" val="1632794655"/>
                     </a:ext>
                   </a:extLst>
                 </a:gridCol>
                 <a:gridCol w="5762625">
                   <a:extLst>
                     <a:ext uri="{9D8B030D-6E8A-4147-A177-3AD203B41FA5}">
-                      <a16:colId xmlns:a16="http://schemas.microsoft.com/office/drawing/2014/main" xmlns="" val="2011313899"/>
+                      <a16:colId xmlns="" xmlns:a16="http://schemas.microsoft.com/office/drawing/2014/main" val="2011313899"/>
                     </a:ext>
                   </a:extLst>
                 </a:gridCol>
@@ -12145,7 +12145,7 @@
                 </a:tc>
                 <a:extLst>
                   <a:ext uri="{0D108BD9-81ED-4DB2-BD59-A6C34878D82A}">
-                    <a16:rowId xmlns:a16="http://schemas.microsoft.com/office/drawing/2014/main" xmlns="" val="1789177411"/>
+                    <a16:rowId xmlns="" xmlns:a16="http://schemas.microsoft.com/office/drawing/2014/main" val="1789177411"/>
                   </a:ext>
                 </a:extLst>
               </a:tr>
@@ -12192,7 +12192,7 @@
                 </a:tc>
                 <a:extLst>
                   <a:ext uri="{0D108BD9-81ED-4DB2-BD59-A6C34878D82A}">
-                    <a16:rowId xmlns:a16="http://schemas.microsoft.com/office/drawing/2014/main" xmlns="" val="3842815335"/>
+                    <a16:rowId xmlns="" xmlns:a16="http://schemas.microsoft.com/office/drawing/2014/main" val="3842815335"/>
                   </a:ext>
                 </a:extLst>
               </a:tr>
@@ -12260,7 +12260,7 @@
                 </a:tc>
                 <a:extLst>
                   <a:ext uri="{0D108BD9-81ED-4DB2-BD59-A6C34878D82A}">
-                    <a16:rowId xmlns:a16="http://schemas.microsoft.com/office/drawing/2014/main" xmlns="" val="321066646"/>
+                    <a16:rowId xmlns="" xmlns:a16="http://schemas.microsoft.com/office/drawing/2014/main" val="321066646"/>
                   </a:ext>
                 </a:extLst>
               </a:tr>
@@ -12331,7 +12331,7 @@
                 </a:tc>
                 <a:extLst>
                   <a:ext uri="{0D108BD9-81ED-4DB2-BD59-A6C34878D82A}">
-                    <a16:rowId xmlns:a16="http://schemas.microsoft.com/office/drawing/2014/main" xmlns="" val="3812060533"/>
+                    <a16:rowId xmlns="" xmlns:a16="http://schemas.microsoft.com/office/drawing/2014/main" val="3812060533"/>
                   </a:ext>
                 </a:extLst>
               </a:tr>
@@ -12588,20 +12588,12 @@
               <a:t>Enter this code: </a:t>
             </a:r>
             <a:r>
-              <a:rPr lang="en-US" b="1" dirty="0" smtClean="0">
-                <a:solidFill>
-                  <a:srgbClr val="FF0000"/>
-                </a:solidFill>
-              </a:rPr>
-              <a:t>PowerJump1 </a:t>
-            </a:r>
-            <a:r>
-              <a:rPr lang="en-US" dirty="0" smtClean="0">
-                <a:solidFill>
-                  <a:srgbClr val="FF0000"/>
-                </a:solidFill>
-              </a:rPr>
-              <a:t>(expires 8/15/2013)</a:t>
+              <a:rPr lang="en-US" b="1" dirty="0" err="1" smtClean="0"/>
+              <a:t>SQLPythonFlask</a:t>
+            </a:r>
+            <a:r>
+              <a:rPr lang="en-US" dirty="0" smtClean="0"/>
+              <a:t> (expires 6Apr15)</a:t>
             </a:r>
             <a:endParaRPr lang="en-US" dirty="0">
               <a:solidFill>
@@ -15054,6 +15046,21 @@
 </file>
 
 <file path=customXml/item1.xml><?xml version="1.0" encoding="utf-8"?>
+<?mso-contentType ?>
+<FormTemplates xmlns="http://schemas.microsoft.com/sharepoint/v3/contenttype/forms">
+  <Display>DocumentLibraryForm</Display>
+  <Edit>DocumentLibraryForm</Edit>
+  <New>DocumentLibraryForm</New>
+</FormTemplates>
+</file>
+
+<file path=customXml/item2.xml><?xml version="1.0" encoding="utf-8"?>
+<p:properties xmlns:p="http://schemas.microsoft.com/office/2006/metadata/properties" xmlns:xsi="http://www.w3.org/2001/XMLSchema-instance" xmlns:pc="http://schemas.microsoft.com/office/infopath/2007/PartnerControls">
+  <documentManagement/>
+</p:properties>
+</file>
+
+<file path=customXml/item3.xml><?xml version="1.0" encoding="utf-8"?>
 <ct:contentTypeSchema xmlns:ct="http://schemas.microsoft.com/office/2006/metadata/contentType" xmlns:ma="http://schemas.microsoft.com/office/2006/metadata/properties/metaAttributes" ct:_="" ma:_="" ma:contentTypeName="Document" ma:contentTypeID="0x010100BD9BF63586D9884E9335F37127EABBE8" ma:contentTypeVersion="1" ma:contentTypeDescription="Create a new document." ma:contentTypeScope="" ma:versionID="b9abee3a6b7d355b9c1a31dbb76ab4bc">
   <xsd:schema xmlns:xsd="http://www.w3.org/2001/XMLSchema" xmlns:xs="http://www.w3.org/2001/XMLSchema" xmlns:p="http://schemas.microsoft.com/office/2006/metadata/properties" xmlns:ns3="e5a13ba8-98e3-4f23-a221-7ac9824aa662" targetNamespace="http://schemas.microsoft.com/office/2006/metadata/properties" ma:root="true" ma:fieldsID="9d02d2e6bc0f5948a1713c06f6c13b3b" ns3:_="">
     <xsd:import namespace="e5a13ba8-98e3-4f23-a221-7ac9824aa662"/>
@@ -15193,35 +15200,10 @@
 </ct:contentTypeSchema>
 </file>
 
-<file path=customXml/item2.xml><?xml version="1.0" encoding="utf-8"?>
-<p:properties xmlns:p="http://schemas.microsoft.com/office/2006/metadata/properties" xmlns:xsi="http://www.w3.org/2001/XMLSchema-instance" xmlns:pc="http://schemas.microsoft.com/office/infopath/2007/PartnerControls">
-  <documentManagement/>
-</p:properties>
-</file>
-
-<file path=customXml/item3.xml><?xml version="1.0" encoding="utf-8"?>
-<?mso-contentType ?>
-<FormTemplates xmlns="http://schemas.microsoft.com/sharepoint/v3/contenttype/forms">
-  <Display>DocumentLibraryForm</Display>
-  <Edit>DocumentLibraryForm</Edit>
-  <New>DocumentLibraryForm</New>
-</FormTemplates>
-</file>
-
 <file path=customXml/itemProps1.xml><?xml version="1.0" encoding="utf-8"?>
-<ds:datastoreItem xmlns:ds="http://schemas.openxmlformats.org/officeDocument/2006/customXml" ds:itemID="{1E1E45CC-2FEE-40FA-AA55-B597D74C6344}">
+<ds:datastoreItem xmlns:ds="http://schemas.openxmlformats.org/officeDocument/2006/customXml" ds:itemID="{B0CA13EC-1D3C-4D6F-8D1C-E8A452CFC79A}">
   <ds:schemaRefs>
-    <ds:schemaRef ds:uri="http://schemas.microsoft.com/office/2006/metadata/contentType"/>
-    <ds:schemaRef ds:uri="http://schemas.microsoft.com/office/2006/metadata/properties/metaAttributes"/>
-    <ds:schemaRef ds:uri="http://www.w3.org/2001/XMLSchema"/>
-    <ds:schemaRef ds:uri="http://schemas.microsoft.com/office/2006/metadata/properties"/>
-    <ds:schemaRef ds:uri="e5a13ba8-98e3-4f23-a221-7ac9824aa662"/>
-    <ds:schemaRef ds:uri="http://schemas.microsoft.com/office/2006/documentManagement/types"/>
-    <ds:schemaRef ds:uri="http://schemas.microsoft.com/office/infopath/2007/PartnerControls"/>
-    <ds:schemaRef ds:uri="http://schemas.openxmlformats.org/package/2006/metadata/core-properties"/>
-    <ds:schemaRef ds:uri="http://purl.org/dc/elements/1.1/"/>
-    <ds:schemaRef ds:uri="http://purl.org/dc/terms/"/>
-    <ds:schemaRef ds:uri="http://schemas.microsoft.com/internal/obd"/>
+    <ds:schemaRef ds:uri="http://schemas.microsoft.com/sharepoint/v3/contenttype/forms"/>
   </ds:schemaRefs>
 </ds:datastoreItem>
 </file>
@@ -15243,9 +15225,19 @@
 </file>
 
 <file path=customXml/itemProps3.xml><?xml version="1.0" encoding="utf-8"?>
-<ds:datastoreItem xmlns:ds="http://schemas.openxmlformats.org/officeDocument/2006/customXml" ds:itemID="{B0CA13EC-1D3C-4D6F-8D1C-E8A452CFC79A}">
+<ds:datastoreItem xmlns:ds="http://schemas.openxmlformats.org/officeDocument/2006/customXml" ds:itemID="{1E1E45CC-2FEE-40FA-AA55-B597D74C6344}">
   <ds:schemaRefs>
-    <ds:schemaRef ds:uri="http://schemas.microsoft.com/sharepoint/v3/contenttype/forms"/>
+    <ds:schemaRef ds:uri="http://schemas.microsoft.com/office/2006/metadata/contentType"/>
+    <ds:schemaRef ds:uri="http://schemas.microsoft.com/office/2006/metadata/properties/metaAttributes"/>
+    <ds:schemaRef ds:uri="http://www.w3.org/2001/XMLSchema"/>
+    <ds:schemaRef ds:uri="http://schemas.microsoft.com/office/2006/metadata/properties"/>
+    <ds:schemaRef ds:uri="e5a13ba8-98e3-4f23-a221-7ac9824aa662"/>
+    <ds:schemaRef ds:uri="http://schemas.microsoft.com/office/2006/documentManagement/types"/>
+    <ds:schemaRef ds:uri="http://schemas.microsoft.com/office/infopath/2007/PartnerControls"/>
+    <ds:schemaRef ds:uri="http://schemas.openxmlformats.org/package/2006/metadata/core-properties"/>
+    <ds:schemaRef ds:uri="http://purl.org/dc/elements/1.1/"/>
+    <ds:schemaRef ds:uri="http://purl.org/dc/terms/"/>
+    <ds:schemaRef ds:uri="http://schemas.microsoft.com/internal/obd"/>
   </ds:schemaRefs>
 </ds:datastoreItem>
 </file>